--- a/spain.pptx
+++ b/spain.pptx
@@ -13,8 +13,9 @@
     <p:sldId id="259" r:id="rId7"/>
     <p:sldId id="260" r:id="rId8"/>
     <p:sldId id="261" r:id="rId9"/>
-    <p:sldId id="264" r:id="rId10"/>
-    <p:sldId id="265" r:id="rId11"/>
+    <p:sldId id="265" r:id="rId10"/>
+    <p:sldId id="264" r:id="rId11"/>
+    <p:sldId id="266" r:id="rId12"/>
   </p:sldIdLst>
   <p:sldSz cx="12192000" cy="6858000"/>
   <p:notesSz cx="6858000" cy="9144000"/>
@@ -113,6 +114,11 @@
       </a:defRPr>
     </a:lvl9pPr>
   </p:defaultTextStyle>
+  <p:extLst>
+    <p:ext uri="{EFAFB233-063F-42B5-8137-9DF3F51BA10A}">
+      <p15:sldGuideLst xmlns:p15="http://schemas.microsoft.com/office/powerpoint/2012/main"/>
+    </p:ext>
+  </p:extLst>
 </p:presentation>
 </file>
 
@@ -448,7 +454,7 @@
             <a:fld id="{B61BEF0D-F0BB-DE4B-95CE-6DB70DBA9567}" type="datetimeFigureOut">
               <a:rPr lang="en-US" dirty="0"/>
               <a:pPr/>
-              <a:t>11/5/2019</a:t>
+              <a:t>11/6/2019</a:t>
             </a:fld>
             <a:endParaRPr lang="en-US" dirty="0"/>
           </a:p>
@@ -769,7 +775,7 @@
             <a:fld id="{B61BEF0D-F0BB-DE4B-95CE-6DB70DBA9567}" type="datetimeFigureOut">
               <a:rPr lang="en-US" dirty="0"/>
               <a:pPr/>
-              <a:t>11/5/2019</a:t>
+              <a:t>11/6/2019</a:t>
             </a:fld>
             <a:endParaRPr lang="en-US" dirty="0"/>
           </a:p>
@@ -1014,7 +1020,7 @@
             <a:fld id="{B61BEF0D-F0BB-DE4B-95CE-6DB70DBA9567}" type="datetimeFigureOut">
               <a:rPr lang="en-US" dirty="0"/>
               <a:pPr/>
-              <a:t>11/5/2019</a:t>
+              <a:t>11/6/2019</a:t>
             </a:fld>
             <a:endParaRPr lang="en-US" dirty="0"/>
           </a:p>
@@ -1350,7 +1356,7 @@
             <a:fld id="{B61BEF0D-F0BB-DE4B-95CE-6DB70DBA9567}" type="datetimeFigureOut">
               <a:rPr lang="en-US" dirty="0"/>
               <a:pPr/>
-              <a:t>11/5/2019</a:t>
+              <a:t>11/6/2019</a:t>
             </a:fld>
             <a:endParaRPr lang="en-US" dirty="0"/>
           </a:p>
@@ -1694,7 +1700,7 @@
             <a:fld id="{B61BEF0D-F0BB-DE4B-95CE-6DB70DBA9567}" type="datetimeFigureOut">
               <a:rPr lang="en-US" dirty="0"/>
               <a:pPr/>
-              <a:t>11/5/2019</a:t>
+              <a:t>11/6/2019</a:t>
             </a:fld>
             <a:endParaRPr lang="en-US" dirty="0"/>
           </a:p>
@@ -2065,7 +2071,7 @@
             <a:fld id="{B61BEF0D-F0BB-DE4B-95CE-6DB70DBA9567}" type="datetimeFigureOut">
               <a:rPr lang="en-US" dirty="0"/>
               <a:pPr/>
-              <a:t>11/5/2019</a:t>
+              <a:t>11/6/2019</a:t>
             </a:fld>
             <a:endParaRPr lang="en-US" dirty="0"/>
           </a:p>
@@ -2532,7 +2538,7 @@
             <a:fld id="{B61BEF0D-F0BB-DE4B-95CE-6DB70DBA9567}" type="datetimeFigureOut">
               <a:rPr lang="en-US" dirty="0"/>
               <a:pPr/>
-              <a:t>11/5/2019</a:t>
+              <a:t>11/6/2019</a:t>
             </a:fld>
             <a:endParaRPr lang="en-US" dirty="0"/>
           </a:p>
@@ -2734,7 +2740,7 @@
             <a:fld id="{B61BEF0D-F0BB-DE4B-95CE-6DB70DBA9567}" type="datetimeFigureOut">
               <a:rPr lang="en-US" dirty="0"/>
               <a:pPr/>
-              <a:t>11/5/2019</a:t>
+              <a:t>11/6/2019</a:t>
             </a:fld>
             <a:endParaRPr lang="en-US" dirty="0"/>
           </a:p>
@@ -2942,7 +2948,7 @@
             <a:fld id="{B61BEF0D-F0BB-DE4B-95CE-6DB70DBA9567}" type="datetimeFigureOut">
               <a:rPr lang="en-US" dirty="0"/>
               <a:pPr/>
-              <a:t>11/5/2019</a:t>
+              <a:t>11/6/2019</a:t>
             </a:fld>
             <a:endParaRPr lang="en-US" dirty="0"/>
           </a:p>
@@ -3170,7 +3176,7 @@
           <a:p>
             <a:fld id="{05BFA754-D5C3-4E66-96A6-867B257F58DC}" type="datetimeFigureOut">
               <a:rPr lang="en-US" dirty="0"/>
-              <a:t>11/5/2019</a:t>
+              <a:t>11/6/2019</a:t>
             </a:fld>
             <a:endParaRPr lang="en-US" dirty="0"/>
           </a:p>
@@ -3414,7 +3420,7 @@
             <a:fld id="{B61BEF0D-F0BB-DE4B-95CE-6DB70DBA9567}" type="datetimeFigureOut">
               <a:rPr lang="en-US" dirty="0"/>
               <a:pPr/>
-              <a:t>11/5/2019</a:t>
+              <a:t>11/6/2019</a:t>
             </a:fld>
             <a:endParaRPr lang="en-US" dirty="0"/>
           </a:p>
@@ -3677,7 +3683,7 @@
           <a:p>
             <a:fld id="{05BFA754-D5C3-4E66-96A6-867B257F58DC}" type="datetimeFigureOut">
               <a:rPr lang="en-US" dirty="0"/>
-              <a:t>11/5/2019</a:t>
+              <a:t>11/6/2019</a:t>
             </a:fld>
             <a:endParaRPr lang="en-US" dirty="0"/>
           </a:p>
@@ -4086,7 +4092,7 @@
             <a:fld id="{B61BEF0D-F0BB-DE4B-95CE-6DB70DBA9567}" type="datetimeFigureOut">
               <a:rPr lang="en-US" dirty="0"/>
               <a:pPr/>
-              <a:t>11/5/2019</a:t>
+              <a:t>11/6/2019</a:t>
             </a:fld>
             <a:endParaRPr lang="en-US" dirty="0"/>
           </a:p>
@@ -4232,7 +4238,7 @@
             <a:fld id="{B61BEF0D-F0BB-DE4B-95CE-6DB70DBA9567}" type="datetimeFigureOut">
               <a:rPr lang="en-US" dirty="0"/>
               <a:pPr/>
-              <a:t>11/5/2019</a:t>
+              <a:t>11/6/2019</a:t>
             </a:fld>
             <a:endParaRPr lang="en-US" dirty="0"/>
           </a:p>
@@ -4355,7 +4361,7 @@
             <a:fld id="{B61BEF0D-F0BB-DE4B-95CE-6DB70DBA9567}" type="datetimeFigureOut">
               <a:rPr lang="en-US" dirty="0"/>
               <a:pPr/>
-              <a:t>11/5/2019</a:t>
+              <a:t>11/6/2019</a:t>
             </a:fld>
             <a:endParaRPr lang="en-US" dirty="0"/>
           </a:p>
@@ -4607,7 +4613,7 @@
             <a:fld id="{B61BEF0D-F0BB-DE4B-95CE-6DB70DBA9567}" type="datetimeFigureOut">
               <a:rPr lang="en-US" dirty="0"/>
               <a:pPr/>
-              <a:t>11/5/2019</a:t>
+              <a:t>11/6/2019</a:t>
             </a:fld>
             <a:endParaRPr lang="en-US" dirty="0"/>
           </a:p>
@@ -4919,7 +4925,7 @@
             <a:fld id="{B61BEF0D-F0BB-DE4B-95CE-6DB70DBA9567}" type="datetimeFigureOut">
               <a:rPr lang="en-US" dirty="0"/>
               <a:pPr/>
-              <a:t>11/5/2019</a:t>
+              <a:t>11/6/2019</a:t>
             </a:fld>
             <a:endParaRPr lang="en-US" dirty="0"/>
           </a:p>
@@ -5267,7 +5273,7 @@
             <a:fld id="{B61BEF0D-F0BB-DE4B-95CE-6DB70DBA9567}" type="datetimeFigureOut">
               <a:rPr lang="en-US" dirty="0"/>
               <a:pPr/>
-              <a:t>11/5/2019</a:t>
+              <a:t>11/6/2019</a:t>
             </a:fld>
             <a:endParaRPr lang="en-US" dirty="0"/>
           </a:p>
@@ -5914,6 +5920,46 @@
           </a:p>
         </p:txBody>
       </p:sp>
+      <p:sp>
+        <p:nvSpPr>
+          <p:cNvPr id="3" name="TextBox 2"/>
+          <p:cNvSpPr txBox="1"/>
+          <p:nvPr/>
+        </p:nvSpPr>
+        <p:spPr>
+          <a:xfrm>
+            <a:off x="2575775" y="3670479"/>
+            <a:ext cx="2240924" cy="646331"/>
+          </a:xfrm>
+          <a:prstGeom prst="rect">
+            <a:avLst/>
+          </a:prstGeom>
+          <a:noFill/>
+        </p:spPr>
+        <p:txBody>
+          <a:bodyPr wrap="square" rtlCol="0">
+            <a:spAutoFit/>
+          </a:bodyPr>
+          <a:lstStyle/>
+          <a:p>
+            <a:r>
+              <a:rPr lang="en-US" dirty="0" smtClean="0"/>
+              <a:t>Presented By:</a:t>
+            </a:r>
+          </a:p>
+          <a:p>
+            <a:r>
+              <a:rPr lang="en-US" dirty="0" err="1" smtClean="0"/>
+              <a:t>Pushpraj</a:t>
+            </a:r>
+            <a:r>
+              <a:rPr lang="en-US" dirty="0" smtClean="0"/>
+              <a:t> &amp; Abhishek</a:t>
+            </a:r>
+            <a:endParaRPr lang="en-IN" dirty="0"/>
+          </a:p>
+        </p:txBody>
+      </p:sp>
     </p:spTree>
     <p:extLst>
       <p:ext uri="{BB962C8B-B14F-4D97-AF65-F5344CB8AC3E}">
@@ -5951,357 +5997,118 @@
             <a:spLocks noGrp="1"/>
           </p:cNvSpPr>
           <p:nvPr>
-            <p:ph type="title"/>
-          </p:nvPr>
-        </p:nvSpPr>
-        <p:spPr/>
+            <p:ph type="ctrTitle"/>
+          </p:nvPr>
+        </p:nvSpPr>
+        <p:spPr>
+          <a:xfrm>
+            <a:off x="1931831" y="1687133"/>
+            <a:ext cx="7933386" cy="1249250"/>
+          </a:xfrm>
+        </p:spPr>
         <p:txBody>
           <a:bodyPr/>
           <a:lstStyle/>
           <a:p>
             <a:r>
-              <a:rPr lang="en-US" dirty="0" smtClean="0"/>
-              <a:t>FOOD</a:t>
-            </a:r>
-            <a:endParaRPr lang="en-IN" dirty="0"/>
-          </a:p>
-        </p:txBody>
-      </p:sp>
-      <p:pic>
-        <p:nvPicPr>
-          <p:cNvPr id="7" name="Picture 2" descr="Image result for national food in spain"/>
-          <p:cNvPicPr>
-            <a:picLocks noChangeAspect="1" noChangeArrowheads="1"/>
-          </p:cNvPicPr>
-          <p:nvPr/>
-        </p:nvPicPr>
-        <p:blipFill>
-          <a:blip r:embed="rId2">
-            <a:extLst>
-              <a:ext uri="{28A0092B-C50C-407E-A947-70E740481C1C}">
-                <a14:useLocalDpi xmlns:a14="http://schemas.microsoft.com/office/drawing/2010/main" val="0"/>
-              </a:ext>
-            </a:extLst>
-          </a:blip>
-          <a:srcRect/>
-          <a:stretch>
-            <a:fillRect/>
-          </a:stretch>
-        </p:blipFill>
-        <p:spPr bwMode="auto">
-          <a:xfrm>
-            <a:off x="6137859" y="2556931"/>
-            <a:ext cx="4610098" cy="2852195"/>
-          </a:xfrm>
-          <a:prstGeom prst="rect">
-            <a:avLst/>
-          </a:prstGeom>
-          <a:noFill/>
-          <a:extLst>
-            <a:ext uri="{909E8E84-426E-40DD-AFC4-6F175D3DCCD1}">
-              <a14:hiddenFill xmlns:a14="http://schemas.microsoft.com/office/drawing/2010/main">
-                <a:solidFill>
-                  <a:srgbClr val="FFFFFF"/>
-                </a:solidFill>
-              </a14:hiddenFill>
-            </a:ext>
-          </a:extLst>
-        </p:spPr>
-      </p:pic>
-      <p:sp>
-        <p:nvSpPr>
-          <p:cNvPr id="8" name="Content Placeholder 2"/>
-          <p:cNvSpPr txBox="1">
-            <a:spLocks noGrp="1"/>
-          </p:cNvSpPr>
-          <p:nvPr>
-            <p:ph idx="1"/>
+              <a:rPr lang="en-US" sz="4000" dirty="0" smtClean="0"/>
+              <a:t>FAMILY &amp; ROLE TOWARDS FAMILY</a:t>
+            </a:r>
+            <a:endParaRPr lang="en-IN" sz="4000" dirty="0"/>
+          </a:p>
+        </p:txBody>
+      </p:sp>
+      <p:sp>
+        <p:nvSpPr>
+          <p:cNvPr id="3" name="Subtitle 2"/>
+          <p:cNvSpPr>
+            <a:spLocks noGrp="1"/>
+          </p:cNvSpPr>
+          <p:nvPr>
+            <p:ph type="subTitle" idx="1"/>
           </p:nvPr>
         </p:nvSpPr>
         <p:spPr>
           <a:xfrm>
-            <a:off x="1295401" y="2556932"/>
-            <a:ext cx="4564486" cy="3318936"/>
-          </a:xfrm>
-          <a:prstGeom prst="rect">
-            <a:avLst/>
-          </a:prstGeom>
-        </p:spPr>
-        <p:txBody>
-          <a:bodyPr vert="horz" lIns="91440" tIns="45720" rIns="91440" bIns="45720" rtlCol="0" anchor="t">
-            <a:normAutofit lnSpcReduction="10000"/>
+            <a:off x="2459865" y="2936383"/>
+            <a:ext cx="7276563" cy="2112135"/>
+          </a:xfrm>
+        </p:spPr>
+        <p:txBody>
+          <a:bodyPr>
+            <a:normAutofit fontScale="92500" lnSpcReduction="10000"/>
           </a:bodyPr>
-          <a:lstStyle>
-            <a:lvl1pPr marL="285750" indent="-285750" algn="l" defTabSz="457200" rtl="0" eaLnBrk="1" latinLnBrk="0" hangingPunct="1">
-              <a:spcBef>
-                <a:spcPct val="20000"/>
-              </a:spcBef>
-              <a:spcAft>
-                <a:spcPts val="600"/>
-              </a:spcAft>
-              <a:buClr>
-                <a:schemeClr val="accent1"/>
-              </a:buClr>
-              <a:buSzPct val="115000"/>
-              <a:buFont typeface="Arial"/>
-              <a:buChar char="•"/>
-              <a:defRPr sz="2400" kern="1200" cap="none">
-                <a:solidFill>
-                  <a:schemeClr val="tx1">
-                    <a:lumMod val="85000"/>
-                    <a:lumOff val="15000"/>
-                  </a:schemeClr>
-                </a:solidFill>
-                <a:effectLst/>
-                <a:latin typeface="+mn-lt"/>
-                <a:ea typeface="+mn-ea"/>
-                <a:cs typeface="+mn-cs"/>
-              </a:defRPr>
-            </a:lvl1pPr>
-            <a:lvl2pPr marL="742950" indent="-285750" algn="l" defTabSz="457200" rtl="0" eaLnBrk="1" latinLnBrk="0" hangingPunct="1">
-              <a:spcBef>
-                <a:spcPct val="20000"/>
-              </a:spcBef>
-              <a:spcAft>
-                <a:spcPts val="600"/>
-              </a:spcAft>
-              <a:buClr>
-                <a:schemeClr val="accent1"/>
-              </a:buClr>
-              <a:buSzPct val="115000"/>
-              <a:buFont typeface="Arial"/>
-              <a:buChar char="•"/>
-              <a:defRPr sz="2000" kern="1200" cap="none">
-                <a:solidFill>
-                  <a:schemeClr val="tx1">
-                    <a:lumMod val="85000"/>
-                    <a:lumOff val="15000"/>
-                  </a:schemeClr>
-                </a:solidFill>
-                <a:effectLst/>
-                <a:latin typeface="+mn-lt"/>
-                <a:ea typeface="+mn-ea"/>
-                <a:cs typeface="+mn-cs"/>
-              </a:defRPr>
-            </a:lvl2pPr>
-            <a:lvl3pPr marL="1200150" indent="-285750" algn="l" defTabSz="457200" rtl="0" eaLnBrk="1" latinLnBrk="0" hangingPunct="1">
-              <a:spcBef>
-                <a:spcPct val="20000"/>
-              </a:spcBef>
-              <a:spcAft>
-                <a:spcPts val="600"/>
-              </a:spcAft>
-              <a:buClr>
-                <a:schemeClr val="accent1"/>
-              </a:buClr>
-              <a:buSzPct val="115000"/>
-              <a:buFont typeface="Arial"/>
-              <a:buChar char="•"/>
-              <a:defRPr sz="1800" kern="1200" cap="none">
-                <a:solidFill>
-                  <a:schemeClr val="tx1">
-                    <a:lumMod val="85000"/>
-                    <a:lumOff val="15000"/>
-                  </a:schemeClr>
-                </a:solidFill>
-                <a:effectLst/>
-                <a:latin typeface="+mn-lt"/>
-                <a:ea typeface="+mn-ea"/>
-                <a:cs typeface="+mn-cs"/>
-              </a:defRPr>
-            </a:lvl3pPr>
-            <a:lvl4pPr marL="1543050" indent="-171450" algn="l" defTabSz="457200" rtl="0" eaLnBrk="1" latinLnBrk="0" hangingPunct="1">
-              <a:spcBef>
-                <a:spcPct val="20000"/>
-              </a:spcBef>
-              <a:spcAft>
-                <a:spcPts val="600"/>
-              </a:spcAft>
-              <a:buClr>
-                <a:schemeClr val="accent1"/>
-              </a:buClr>
-              <a:buSzPct val="115000"/>
-              <a:buFont typeface="Arial"/>
-              <a:buChar char="•"/>
-              <a:defRPr sz="1600" kern="1200" cap="none">
-                <a:solidFill>
-                  <a:schemeClr val="tx1">
-                    <a:lumMod val="85000"/>
-                    <a:lumOff val="15000"/>
-                  </a:schemeClr>
-                </a:solidFill>
-                <a:effectLst/>
-                <a:latin typeface="+mn-lt"/>
-                <a:ea typeface="+mn-ea"/>
-                <a:cs typeface="+mn-cs"/>
-              </a:defRPr>
-            </a:lvl4pPr>
-            <a:lvl5pPr marL="2000250" indent="-171450" algn="l" defTabSz="457200" rtl="0" eaLnBrk="1" latinLnBrk="0" hangingPunct="1">
-              <a:spcBef>
-                <a:spcPct val="20000"/>
-              </a:spcBef>
-              <a:spcAft>
-                <a:spcPts val="600"/>
-              </a:spcAft>
-              <a:buClr>
-                <a:schemeClr val="accent1"/>
-              </a:buClr>
-              <a:buSzPct val="115000"/>
-              <a:buFont typeface="Arial"/>
-              <a:buChar char="•"/>
-              <a:defRPr sz="1400" kern="1200" cap="none">
-                <a:solidFill>
-                  <a:schemeClr val="tx1">
-                    <a:lumMod val="85000"/>
-                    <a:lumOff val="15000"/>
-                  </a:schemeClr>
-                </a:solidFill>
-                <a:effectLst/>
-                <a:latin typeface="+mn-lt"/>
-                <a:ea typeface="+mn-ea"/>
-                <a:cs typeface="+mn-cs"/>
-              </a:defRPr>
-            </a:lvl5pPr>
-            <a:lvl6pPr marL="2514600" indent="-228600" algn="l" defTabSz="457200" rtl="0" eaLnBrk="1" latinLnBrk="0" hangingPunct="1">
-              <a:spcBef>
-                <a:spcPct val="20000"/>
-              </a:spcBef>
-              <a:spcAft>
-                <a:spcPts val="600"/>
-              </a:spcAft>
-              <a:buClr>
-                <a:schemeClr val="accent1"/>
-              </a:buClr>
-              <a:buSzPct val="115000"/>
-              <a:buFont typeface="Arial"/>
-              <a:buChar char="•"/>
-              <a:defRPr sz="1400" kern="1200" cap="none">
-                <a:solidFill>
-                  <a:schemeClr val="tx1">
-                    <a:lumMod val="85000"/>
-                    <a:lumOff val="15000"/>
-                  </a:schemeClr>
-                </a:solidFill>
-                <a:effectLst/>
-                <a:latin typeface="+mn-lt"/>
-                <a:ea typeface="+mn-ea"/>
-                <a:cs typeface="+mn-cs"/>
-              </a:defRPr>
-            </a:lvl6pPr>
-            <a:lvl7pPr marL="2971800" indent="-228600" algn="l" defTabSz="457200" rtl="0" eaLnBrk="1" latinLnBrk="0" hangingPunct="1">
-              <a:spcBef>
-                <a:spcPct val="20000"/>
-              </a:spcBef>
-              <a:spcAft>
-                <a:spcPts val="600"/>
-              </a:spcAft>
-              <a:buClr>
-                <a:schemeClr val="accent1"/>
-              </a:buClr>
-              <a:buSzPct val="115000"/>
-              <a:buFont typeface="Arial"/>
-              <a:buChar char="•"/>
-              <a:defRPr sz="1400" kern="1200" cap="none">
-                <a:solidFill>
-                  <a:schemeClr val="tx1">
-                    <a:lumMod val="85000"/>
-                    <a:lumOff val="15000"/>
-                  </a:schemeClr>
-                </a:solidFill>
-                <a:effectLst/>
-                <a:latin typeface="+mn-lt"/>
-                <a:ea typeface="+mn-ea"/>
-                <a:cs typeface="+mn-cs"/>
-              </a:defRPr>
-            </a:lvl7pPr>
-            <a:lvl8pPr marL="3429000" indent="-228600" algn="l" defTabSz="457200" rtl="0" eaLnBrk="1" latinLnBrk="0" hangingPunct="1">
-              <a:spcBef>
-                <a:spcPct val="20000"/>
-              </a:spcBef>
-              <a:spcAft>
-                <a:spcPts val="600"/>
-              </a:spcAft>
-              <a:buClr>
-                <a:schemeClr val="accent1"/>
-              </a:buClr>
-              <a:buSzPct val="115000"/>
-              <a:buFont typeface="Arial"/>
-              <a:buChar char="•"/>
-              <a:defRPr sz="1400" kern="1200" cap="none">
-                <a:solidFill>
-                  <a:schemeClr val="tx1">
-                    <a:lumMod val="85000"/>
-                    <a:lumOff val="15000"/>
-                  </a:schemeClr>
-                </a:solidFill>
-                <a:effectLst/>
-                <a:latin typeface="+mn-lt"/>
-                <a:ea typeface="+mn-ea"/>
-                <a:cs typeface="+mn-cs"/>
-              </a:defRPr>
-            </a:lvl8pPr>
-            <a:lvl9pPr marL="3886200" indent="-228600" algn="l" defTabSz="457200" rtl="0" eaLnBrk="1" latinLnBrk="0" hangingPunct="1">
-              <a:spcBef>
-                <a:spcPct val="20000"/>
-              </a:spcBef>
-              <a:spcAft>
-                <a:spcPts val="600"/>
-              </a:spcAft>
-              <a:buClr>
-                <a:schemeClr val="accent1"/>
-              </a:buClr>
-              <a:buSzPct val="115000"/>
-              <a:buFont typeface="Arial"/>
-              <a:buChar char="•"/>
-              <a:defRPr sz="1400" kern="1200" cap="none">
-                <a:solidFill>
-                  <a:schemeClr val="tx1">
-                    <a:lumMod val="85000"/>
-                    <a:lumOff val="15000"/>
-                  </a:schemeClr>
-                </a:solidFill>
-                <a:effectLst/>
-                <a:latin typeface="+mn-lt"/>
-                <a:ea typeface="+mn-ea"/>
-                <a:cs typeface="+mn-cs"/>
-              </a:defRPr>
-            </a:lvl9pPr>
-          </a:lstStyle>
-          <a:p>
-            <a:r>
-              <a:rPr lang="en-IN" dirty="0" smtClean="0"/>
-              <a:t>Paella </a:t>
-            </a:r>
-            <a:r>
-              <a:rPr lang="en-IN" dirty="0" err="1" smtClean="0"/>
-              <a:t>Valenciana</a:t>
-            </a:r>
-            <a:r>
-              <a:rPr lang="en-IN" dirty="0" smtClean="0"/>
-              <a:t> originated in the fields of Valencia, where country folk mixed rice with rabbit, snails, and vegetables and cooked it over an open fire. </a:t>
-            </a:r>
-          </a:p>
-          <a:p>
-            <a:r>
-              <a:rPr lang="en-IN" dirty="0" smtClean="0"/>
-              <a:t>It has evolved into </a:t>
-            </a:r>
-            <a:r>
-              <a:rPr lang="en-IN" b="1" dirty="0" smtClean="0"/>
-              <a:t>Spain's</a:t>
-            </a:r>
-            <a:r>
-              <a:rPr lang="en-IN" dirty="0" smtClean="0"/>
-              <a:t> most well-known </a:t>
-            </a:r>
-            <a:r>
-              <a:rPr lang="en-IN" b="1" dirty="0" smtClean="0"/>
-              <a:t>dish</a:t>
-            </a:r>
-            <a:r>
-              <a:rPr lang="en-IN" dirty="0" smtClean="0"/>
-              <a:t>, in which fish, shellfish, meat, pork, and chicken might be variously used</a:t>
-            </a:r>
+          <a:lstStyle/>
+          <a:p>
+            <a:pPr marL="285750" indent="-285750">
+              <a:lnSpc>
+                <a:spcPct val="150000"/>
+              </a:lnSpc>
+              <a:buFont typeface="Wingdings" pitchFamily="2" charset="2"/>
+              <a:buChar char="§"/>
+            </a:pPr>
+            <a:r>
+              <a:rPr lang="en-IN" sz="2000" dirty="0"/>
+              <a:t>The family is the centre of </a:t>
+            </a:r>
+            <a:r>
+              <a:rPr lang="en-IN" sz="2000" dirty="0" smtClean="0"/>
+              <a:t>Spanish </a:t>
+            </a:r>
+            <a:r>
+              <a:rPr lang="en-IN" sz="2000" dirty="0"/>
+              <a:t>life</a:t>
+            </a:r>
+          </a:p>
+          <a:p>
+            <a:pPr marL="285750" indent="-285750">
+              <a:lnSpc>
+                <a:spcPct val="150000"/>
+              </a:lnSpc>
+              <a:buFont typeface="Wingdings" pitchFamily="2" charset="2"/>
+              <a:buChar char="§"/>
+            </a:pPr>
+            <a:r>
+              <a:rPr lang="en-IN" sz="2000" dirty="0"/>
+              <a:t>Strong ties with extended family</a:t>
+            </a:r>
+          </a:p>
+          <a:p>
+            <a:pPr marL="285750" indent="-285750">
+              <a:lnSpc>
+                <a:spcPct val="150000"/>
+              </a:lnSpc>
+              <a:buFont typeface="Wingdings" pitchFamily="2" charset="2"/>
+              <a:buChar char="§"/>
+            </a:pPr>
+            <a:r>
+              <a:rPr lang="en-IN" sz="2000" dirty="0"/>
+              <a:t>Christmas and birthdays are celebrated with large gatherings of family </a:t>
+            </a:r>
+            <a:r>
+              <a:rPr lang="en-IN" sz="2000" dirty="0" smtClean="0"/>
+              <a:t>members</a:t>
+            </a:r>
+          </a:p>
+          <a:p>
+            <a:pPr marL="285750" indent="-285750">
+              <a:lnSpc>
+                <a:spcPct val="150000"/>
+              </a:lnSpc>
+              <a:buFont typeface="Wingdings" pitchFamily="2" charset="2"/>
+              <a:buChar char="§"/>
+            </a:pPr>
+            <a:endParaRPr lang="en-IN" sz="2000" dirty="0" smtClean="0"/>
+          </a:p>
+          <a:p>
+            <a:pPr marL="285750" indent="-285750">
+              <a:lnSpc>
+                <a:spcPct val="150000"/>
+              </a:lnSpc>
+              <a:buFont typeface="Wingdings" pitchFamily="2" charset="2"/>
+              <a:buChar char="§"/>
+            </a:pPr>
+            <a:endParaRPr lang="en-IN" sz="2000" dirty="0"/>
           </a:p>
           <a:p>
             <a:endParaRPr lang="en-IN" dirty="0"/>
@@ -6311,7 +6118,104 @@
     </p:spTree>
     <p:extLst>
       <p:ext uri="{BB962C8B-B14F-4D97-AF65-F5344CB8AC3E}">
-        <p14:creationId xmlns:p14="http://schemas.microsoft.com/office/powerpoint/2010/main" val="2129817989"/>
+        <p14:creationId xmlns:p14="http://schemas.microsoft.com/office/powerpoint/2010/main" val="2654591274"/>
+      </p:ext>
+    </p:extLst>
+  </p:cSld>
+  <p:clrMapOvr>
+    <a:masterClrMapping/>
+  </p:clrMapOvr>
+</p:sld>
+</file>
+
+<file path=ppt/slides/slide11.xml><?xml version="1.0" encoding="utf-8"?>
+<p:sld xmlns:a="http://schemas.openxmlformats.org/drawingml/2006/main" xmlns:r="http://schemas.openxmlformats.org/officeDocument/2006/relationships" xmlns:p="http://schemas.openxmlformats.org/presentationml/2006/main">
+  <p:cSld>
+    <p:spTree>
+      <p:nvGrpSpPr>
+        <p:cNvPr id="1" name=""/>
+        <p:cNvGrpSpPr/>
+        <p:nvPr/>
+      </p:nvGrpSpPr>
+      <p:grpSpPr>
+        <a:xfrm>
+          <a:off x="0" y="0"/>
+          <a:ext cx="0" cy="0"/>
+          <a:chOff x="0" y="0"/>
+          <a:chExt cx="0" cy="0"/>
+        </a:xfrm>
+      </p:grpSpPr>
+      <p:sp>
+        <p:nvSpPr>
+          <p:cNvPr id="2" name="Title 1"/>
+          <p:cNvSpPr>
+            <a:spLocks noGrp="1"/>
+          </p:cNvSpPr>
+          <p:nvPr>
+            <p:ph type="title"/>
+          </p:nvPr>
+        </p:nvSpPr>
+        <p:spPr/>
+        <p:txBody>
+          <a:bodyPr/>
+          <a:lstStyle/>
+          <a:p>
+            <a:r>
+              <a:rPr lang="en-US" dirty="0" smtClean="0"/>
+              <a:t>CHILD RAISING</a:t>
+            </a:r>
+            <a:endParaRPr lang="en-IN" dirty="0"/>
+          </a:p>
+        </p:txBody>
+      </p:sp>
+      <p:sp>
+        <p:nvSpPr>
+          <p:cNvPr id="3" name="Content Placeholder 2"/>
+          <p:cNvSpPr>
+            <a:spLocks noGrp="1"/>
+          </p:cNvSpPr>
+          <p:nvPr>
+            <p:ph idx="1"/>
+          </p:nvPr>
+        </p:nvSpPr>
+        <p:spPr/>
+        <p:txBody>
+          <a:bodyPr/>
+          <a:lstStyle/>
+          <a:p>
+            <a:r>
+              <a:rPr lang="en-US" dirty="0" smtClean="0"/>
+              <a:t>The Spanish education system is compulsory and free for all children aged between 6 and 16 years.</a:t>
+            </a:r>
+          </a:p>
+          <a:p>
+            <a:r>
+              <a:rPr lang="en-US" dirty="0" smtClean="0"/>
+              <a:t>It is supported by national government .</a:t>
+            </a:r>
+            <a:endParaRPr lang="en-US" dirty="0"/>
+          </a:p>
+          <a:p>
+            <a:r>
+              <a:rPr lang="en-US" dirty="0" smtClean="0"/>
+              <a:t>Children in </a:t>
+            </a:r>
+            <a:r>
+              <a:rPr lang="en-US" dirty="0" err="1" smtClean="0"/>
+              <a:t>spain</a:t>
+            </a:r>
+            <a:r>
+              <a:rPr lang="en-US" dirty="0" smtClean="0"/>
+              <a:t> have free healthcare coverage under their parent or guardian´s insurance till the age 15.</a:t>
+            </a:r>
+            <a:endParaRPr lang="en-IN" dirty="0" smtClean="0"/>
+          </a:p>
+        </p:txBody>
+      </p:sp>
+    </p:spTree>
+    <p:extLst>
+      <p:ext uri="{BB962C8B-B14F-4D97-AF65-F5344CB8AC3E}">
+        <p14:creationId xmlns:p14="http://schemas.microsoft.com/office/powerpoint/2010/main" val="3200749080"/>
       </p:ext>
     </p:extLst>
   </p:cSld>
@@ -7819,118 +7723,357 @@
             <a:spLocks noGrp="1"/>
           </p:cNvSpPr>
           <p:nvPr>
-            <p:ph type="ctrTitle"/>
+            <p:ph type="title"/>
+          </p:nvPr>
+        </p:nvSpPr>
+        <p:spPr/>
+        <p:txBody>
+          <a:bodyPr/>
+          <a:lstStyle/>
+          <a:p>
+            <a:r>
+              <a:rPr lang="en-US" dirty="0" smtClean="0"/>
+              <a:t>FOOD</a:t>
+            </a:r>
+            <a:endParaRPr lang="en-IN" dirty="0"/>
+          </a:p>
+        </p:txBody>
+      </p:sp>
+      <p:pic>
+        <p:nvPicPr>
+          <p:cNvPr id="7" name="Picture 2" descr="Image result for national food in spain"/>
+          <p:cNvPicPr>
+            <a:picLocks noChangeAspect="1" noChangeArrowheads="1"/>
+          </p:cNvPicPr>
+          <p:nvPr/>
+        </p:nvPicPr>
+        <p:blipFill>
+          <a:blip r:embed="rId2">
+            <a:extLst>
+              <a:ext uri="{28A0092B-C50C-407E-A947-70E740481C1C}">
+                <a14:useLocalDpi xmlns:a14="http://schemas.microsoft.com/office/drawing/2010/main" val="0"/>
+              </a:ext>
+            </a:extLst>
+          </a:blip>
+          <a:srcRect/>
+          <a:stretch>
+            <a:fillRect/>
+          </a:stretch>
+        </p:blipFill>
+        <p:spPr bwMode="auto">
+          <a:xfrm>
+            <a:off x="6137859" y="2556931"/>
+            <a:ext cx="4610098" cy="2852195"/>
+          </a:xfrm>
+          <a:prstGeom prst="rect">
+            <a:avLst/>
+          </a:prstGeom>
+          <a:noFill/>
+          <a:extLst>
+            <a:ext uri="{909E8E84-426E-40DD-AFC4-6F175D3DCCD1}">
+              <a14:hiddenFill xmlns:a14="http://schemas.microsoft.com/office/drawing/2010/main">
+                <a:solidFill>
+                  <a:srgbClr val="FFFFFF"/>
+                </a:solidFill>
+              </a14:hiddenFill>
+            </a:ext>
+          </a:extLst>
+        </p:spPr>
+      </p:pic>
+      <p:sp>
+        <p:nvSpPr>
+          <p:cNvPr id="8" name="Content Placeholder 2"/>
+          <p:cNvSpPr txBox="1">
+            <a:spLocks noGrp="1"/>
+          </p:cNvSpPr>
+          <p:nvPr>
+            <p:ph idx="1"/>
           </p:nvPr>
         </p:nvSpPr>
         <p:spPr>
           <a:xfrm>
-            <a:off x="1931831" y="1687133"/>
-            <a:ext cx="7933386" cy="1249250"/>
-          </a:xfrm>
-        </p:spPr>
-        <p:txBody>
-          <a:bodyPr/>
-          <a:lstStyle/>
-          <a:p>
-            <a:r>
-              <a:rPr lang="en-US" sz="4000" dirty="0" smtClean="0"/>
-              <a:t>FAMILY &amp; ROLE TOWARDS FAMILY</a:t>
-            </a:r>
-            <a:endParaRPr lang="en-IN" sz="4000" dirty="0"/>
-          </a:p>
-        </p:txBody>
-      </p:sp>
-      <p:sp>
-        <p:nvSpPr>
-          <p:cNvPr id="3" name="Subtitle 2"/>
-          <p:cNvSpPr>
-            <a:spLocks noGrp="1"/>
-          </p:cNvSpPr>
-          <p:nvPr>
-            <p:ph type="subTitle" idx="1"/>
-          </p:nvPr>
-        </p:nvSpPr>
-        <p:spPr>
-          <a:xfrm>
-            <a:off x="2459865" y="2936383"/>
-            <a:ext cx="7276563" cy="2112135"/>
-          </a:xfrm>
-        </p:spPr>
-        <p:txBody>
-          <a:bodyPr>
-            <a:normAutofit fontScale="92500" lnSpcReduction="10000"/>
+            <a:off x="1295401" y="2556932"/>
+            <a:ext cx="4564486" cy="3318936"/>
+          </a:xfrm>
+          <a:prstGeom prst="rect">
+            <a:avLst/>
+          </a:prstGeom>
+        </p:spPr>
+        <p:txBody>
+          <a:bodyPr vert="horz" lIns="91440" tIns="45720" rIns="91440" bIns="45720" rtlCol="0" anchor="t">
+            <a:normAutofit lnSpcReduction="10000"/>
           </a:bodyPr>
-          <a:lstStyle/>
-          <a:p>
-            <a:pPr marL="285750" indent="-285750">
-              <a:lnSpc>
-                <a:spcPct val="150000"/>
-              </a:lnSpc>
-              <a:buFont typeface="Wingdings" pitchFamily="2" charset="2"/>
-              <a:buChar char="§"/>
-            </a:pPr>
-            <a:r>
-              <a:rPr lang="en-IN" sz="2000" dirty="0"/>
-              <a:t>The family is the centre of </a:t>
-            </a:r>
-            <a:r>
-              <a:rPr lang="en-IN" sz="2000" dirty="0" smtClean="0"/>
-              <a:t>Spanish </a:t>
-            </a:r>
-            <a:r>
-              <a:rPr lang="en-IN" sz="2000" dirty="0"/>
-              <a:t>life</a:t>
-            </a:r>
-          </a:p>
-          <a:p>
-            <a:pPr marL="285750" indent="-285750">
-              <a:lnSpc>
-                <a:spcPct val="150000"/>
-              </a:lnSpc>
-              <a:buFont typeface="Wingdings" pitchFamily="2" charset="2"/>
-              <a:buChar char="§"/>
-            </a:pPr>
-            <a:r>
-              <a:rPr lang="en-IN" sz="2000" dirty="0"/>
-              <a:t>Strong ties with extended family</a:t>
-            </a:r>
-          </a:p>
-          <a:p>
-            <a:pPr marL="285750" indent="-285750">
-              <a:lnSpc>
-                <a:spcPct val="150000"/>
-              </a:lnSpc>
-              <a:buFont typeface="Wingdings" pitchFamily="2" charset="2"/>
-              <a:buChar char="§"/>
-            </a:pPr>
-            <a:r>
-              <a:rPr lang="en-IN" sz="2000" dirty="0"/>
-              <a:t>Christmas and birthdays are celebrated with large gatherings of family </a:t>
-            </a:r>
-            <a:r>
-              <a:rPr lang="en-IN" sz="2000" dirty="0" smtClean="0"/>
-              <a:t>members</a:t>
-            </a:r>
-          </a:p>
-          <a:p>
-            <a:pPr marL="285750" indent="-285750">
-              <a:lnSpc>
-                <a:spcPct val="150000"/>
-              </a:lnSpc>
-              <a:buFont typeface="Wingdings" pitchFamily="2" charset="2"/>
-              <a:buChar char="§"/>
-            </a:pPr>
-            <a:endParaRPr lang="en-IN" sz="2000" dirty="0" smtClean="0"/>
-          </a:p>
-          <a:p>
-            <a:pPr marL="285750" indent="-285750">
-              <a:lnSpc>
-                <a:spcPct val="150000"/>
-              </a:lnSpc>
-              <a:buFont typeface="Wingdings" pitchFamily="2" charset="2"/>
-              <a:buChar char="§"/>
-            </a:pPr>
-            <a:endParaRPr lang="en-IN" sz="2000" dirty="0"/>
+          <a:lstStyle>
+            <a:lvl1pPr marL="285750" indent="-285750" algn="l" defTabSz="457200" rtl="0" eaLnBrk="1" latinLnBrk="0" hangingPunct="1">
+              <a:spcBef>
+                <a:spcPct val="20000"/>
+              </a:spcBef>
+              <a:spcAft>
+                <a:spcPts val="600"/>
+              </a:spcAft>
+              <a:buClr>
+                <a:schemeClr val="accent1"/>
+              </a:buClr>
+              <a:buSzPct val="115000"/>
+              <a:buFont typeface="Arial"/>
+              <a:buChar char="•"/>
+              <a:defRPr sz="2400" kern="1200" cap="none">
+                <a:solidFill>
+                  <a:schemeClr val="tx1">
+                    <a:lumMod val="85000"/>
+                    <a:lumOff val="15000"/>
+                  </a:schemeClr>
+                </a:solidFill>
+                <a:effectLst/>
+                <a:latin typeface="+mn-lt"/>
+                <a:ea typeface="+mn-ea"/>
+                <a:cs typeface="+mn-cs"/>
+              </a:defRPr>
+            </a:lvl1pPr>
+            <a:lvl2pPr marL="742950" indent="-285750" algn="l" defTabSz="457200" rtl="0" eaLnBrk="1" latinLnBrk="0" hangingPunct="1">
+              <a:spcBef>
+                <a:spcPct val="20000"/>
+              </a:spcBef>
+              <a:spcAft>
+                <a:spcPts val="600"/>
+              </a:spcAft>
+              <a:buClr>
+                <a:schemeClr val="accent1"/>
+              </a:buClr>
+              <a:buSzPct val="115000"/>
+              <a:buFont typeface="Arial"/>
+              <a:buChar char="•"/>
+              <a:defRPr sz="2000" kern="1200" cap="none">
+                <a:solidFill>
+                  <a:schemeClr val="tx1">
+                    <a:lumMod val="85000"/>
+                    <a:lumOff val="15000"/>
+                  </a:schemeClr>
+                </a:solidFill>
+                <a:effectLst/>
+                <a:latin typeface="+mn-lt"/>
+                <a:ea typeface="+mn-ea"/>
+                <a:cs typeface="+mn-cs"/>
+              </a:defRPr>
+            </a:lvl2pPr>
+            <a:lvl3pPr marL="1200150" indent="-285750" algn="l" defTabSz="457200" rtl="0" eaLnBrk="1" latinLnBrk="0" hangingPunct="1">
+              <a:spcBef>
+                <a:spcPct val="20000"/>
+              </a:spcBef>
+              <a:spcAft>
+                <a:spcPts val="600"/>
+              </a:spcAft>
+              <a:buClr>
+                <a:schemeClr val="accent1"/>
+              </a:buClr>
+              <a:buSzPct val="115000"/>
+              <a:buFont typeface="Arial"/>
+              <a:buChar char="•"/>
+              <a:defRPr sz="1800" kern="1200" cap="none">
+                <a:solidFill>
+                  <a:schemeClr val="tx1">
+                    <a:lumMod val="85000"/>
+                    <a:lumOff val="15000"/>
+                  </a:schemeClr>
+                </a:solidFill>
+                <a:effectLst/>
+                <a:latin typeface="+mn-lt"/>
+                <a:ea typeface="+mn-ea"/>
+                <a:cs typeface="+mn-cs"/>
+              </a:defRPr>
+            </a:lvl3pPr>
+            <a:lvl4pPr marL="1543050" indent="-171450" algn="l" defTabSz="457200" rtl="0" eaLnBrk="1" latinLnBrk="0" hangingPunct="1">
+              <a:spcBef>
+                <a:spcPct val="20000"/>
+              </a:spcBef>
+              <a:spcAft>
+                <a:spcPts val="600"/>
+              </a:spcAft>
+              <a:buClr>
+                <a:schemeClr val="accent1"/>
+              </a:buClr>
+              <a:buSzPct val="115000"/>
+              <a:buFont typeface="Arial"/>
+              <a:buChar char="•"/>
+              <a:defRPr sz="1600" kern="1200" cap="none">
+                <a:solidFill>
+                  <a:schemeClr val="tx1">
+                    <a:lumMod val="85000"/>
+                    <a:lumOff val="15000"/>
+                  </a:schemeClr>
+                </a:solidFill>
+                <a:effectLst/>
+                <a:latin typeface="+mn-lt"/>
+                <a:ea typeface="+mn-ea"/>
+                <a:cs typeface="+mn-cs"/>
+              </a:defRPr>
+            </a:lvl4pPr>
+            <a:lvl5pPr marL="2000250" indent="-171450" algn="l" defTabSz="457200" rtl="0" eaLnBrk="1" latinLnBrk="0" hangingPunct="1">
+              <a:spcBef>
+                <a:spcPct val="20000"/>
+              </a:spcBef>
+              <a:spcAft>
+                <a:spcPts val="600"/>
+              </a:spcAft>
+              <a:buClr>
+                <a:schemeClr val="accent1"/>
+              </a:buClr>
+              <a:buSzPct val="115000"/>
+              <a:buFont typeface="Arial"/>
+              <a:buChar char="•"/>
+              <a:defRPr sz="1400" kern="1200" cap="none">
+                <a:solidFill>
+                  <a:schemeClr val="tx1">
+                    <a:lumMod val="85000"/>
+                    <a:lumOff val="15000"/>
+                  </a:schemeClr>
+                </a:solidFill>
+                <a:effectLst/>
+                <a:latin typeface="+mn-lt"/>
+                <a:ea typeface="+mn-ea"/>
+                <a:cs typeface="+mn-cs"/>
+              </a:defRPr>
+            </a:lvl5pPr>
+            <a:lvl6pPr marL="2514600" indent="-228600" algn="l" defTabSz="457200" rtl="0" eaLnBrk="1" latinLnBrk="0" hangingPunct="1">
+              <a:spcBef>
+                <a:spcPct val="20000"/>
+              </a:spcBef>
+              <a:spcAft>
+                <a:spcPts val="600"/>
+              </a:spcAft>
+              <a:buClr>
+                <a:schemeClr val="accent1"/>
+              </a:buClr>
+              <a:buSzPct val="115000"/>
+              <a:buFont typeface="Arial"/>
+              <a:buChar char="•"/>
+              <a:defRPr sz="1400" kern="1200" cap="none">
+                <a:solidFill>
+                  <a:schemeClr val="tx1">
+                    <a:lumMod val="85000"/>
+                    <a:lumOff val="15000"/>
+                  </a:schemeClr>
+                </a:solidFill>
+                <a:effectLst/>
+                <a:latin typeface="+mn-lt"/>
+                <a:ea typeface="+mn-ea"/>
+                <a:cs typeface="+mn-cs"/>
+              </a:defRPr>
+            </a:lvl6pPr>
+            <a:lvl7pPr marL="2971800" indent="-228600" algn="l" defTabSz="457200" rtl="0" eaLnBrk="1" latinLnBrk="0" hangingPunct="1">
+              <a:spcBef>
+                <a:spcPct val="20000"/>
+              </a:spcBef>
+              <a:spcAft>
+                <a:spcPts val="600"/>
+              </a:spcAft>
+              <a:buClr>
+                <a:schemeClr val="accent1"/>
+              </a:buClr>
+              <a:buSzPct val="115000"/>
+              <a:buFont typeface="Arial"/>
+              <a:buChar char="•"/>
+              <a:defRPr sz="1400" kern="1200" cap="none">
+                <a:solidFill>
+                  <a:schemeClr val="tx1">
+                    <a:lumMod val="85000"/>
+                    <a:lumOff val="15000"/>
+                  </a:schemeClr>
+                </a:solidFill>
+                <a:effectLst/>
+                <a:latin typeface="+mn-lt"/>
+                <a:ea typeface="+mn-ea"/>
+                <a:cs typeface="+mn-cs"/>
+              </a:defRPr>
+            </a:lvl7pPr>
+            <a:lvl8pPr marL="3429000" indent="-228600" algn="l" defTabSz="457200" rtl="0" eaLnBrk="1" latinLnBrk="0" hangingPunct="1">
+              <a:spcBef>
+                <a:spcPct val="20000"/>
+              </a:spcBef>
+              <a:spcAft>
+                <a:spcPts val="600"/>
+              </a:spcAft>
+              <a:buClr>
+                <a:schemeClr val="accent1"/>
+              </a:buClr>
+              <a:buSzPct val="115000"/>
+              <a:buFont typeface="Arial"/>
+              <a:buChar char="•"/>
+              <a:defRPr sz="1400" kern="1200" cap="none">
+                <a:solidFill>
+                  <a:schemeClr val="tx1">
+                    <a:lumMod val="85000"/>
+                    <a:lumOff val="15000"/>
+                  </a:schemeClr>
+                </a:solidFill>
+                <a:effectLst/>
+                <a:latin typeface="+mn-lt"/>
+                <a:ea typeface="+mn-ea"/>
+                <a:cs typeface="+mn-cs"/>
+              </a:defRPr>
+            </a:lvl8pPr>
+            <a:lvl9pPr marL="3886200" indent="-228600" algn="l" defTabSz="457200" rtl="0" eaLnBrk="1" latinLnBrk="0" hangingPunct="1">
+              <a:spcBef>
+                <a:spcPct val="20000"/>
+              </a:spcBef>
+              <a:spcAft>
+                <a:spcPts val="600"/>
+              </a:spcAft>
+              <a:buClr>
+                <a:schemeClr val="accent1"/>
+              </a:buClr>
+              <a:buSzPct val="115000"/>
+              <a:buFont typeface="Arial"/>
+              <a:buChar char="•"/>
+              <a:defRPr sz="1400" kern="1200" cap="none">
+                <a:solidFill>
+                  <a:schemeClr val="tx1">
+                    <a:lumMod val="85000"/>
+                    <a:lumOff val="15000"/>
+                  </a:schemeClr>
+                </a:solidFill>
+                <a:effectLst/>
+                <a:latin typeface="+mn-lt"/>
+                <a:ea typeface="+mn-ea"/>
+                <a:cs typeface="+mn-cs"/>
+              </a:defRPr>
+            </a:lvl9pPr>
+          </a:lstStyle>
+          <a:p>
+            <a:r>
+              <a:rPr lang="en-IN" dirty="0" smtClean="0"/>
+              <a:t>Paella </a:t>
+            </a:r>
+            <a:r>
+              <a:rPr lang="en-IN" dirty="0" err="1" smtClean="0"/>
+              <a:t>Valenciana</a:t>
+            </a:r>
+            <a:r>
+              <a:rPr lang="en-IN" dirty="0" smtClean="0"/>
+              <a:t> originated in the fields of Valencia, where country folk mixed rice with rabbit, snails, and vegetables and cooked it over an open fire. </a:t>
+            </a:r>
+          </a:p>
+          <a:p>
+            <a:r>
+              <a:rPr lang="en-IN" dirty="0" smtClean="0"/>
+              <a:t>It has evolved into </a:t>
+            </a:r>
+            <a:r>
+              <a:rPr lang="en-IN" b="1" dirty="0" smtClean="0"/>
+              <a:t>Spain's</a:t>
+            </a:r>
+            <a:r>
+              <a:rPr lang="en-IN" dirty="0" smtClean="0"/>
+              <a:t> most well-known </a:t>
+            </a:r>
+            <a:r>
+              <a:rPr lang="en-IN" b="1" dirty="0" smtClean="0"/>
+              <a:t>dish</a:t>
+            </a:r>
+            <a:r>
+              <a:rPr lang="en-IN" dirty="0" smtClean="0"/>
+              <a:t>, in which fish, shellfish, meat, pork, and chicken might be variously used</a:t>
+            </a:r>
           </a:p>
           <a:p>
             <a:endParaRPr lang="en-IN" dirty="0"/>
@@ -7940,7 +8083,7 @@
     </p:spTree>
     <p:extLst>
       <p:ext uri="{BB962C8B-B14F-4D97-AF65-F5344CB8AC3E}">
-        <p14:creationId xmlns:p14="http://schemas.microsoft.com/office/powerpoint/2010/main" val="2654591274"/>
+        <p14:creationId xmlns:p14="http://schemas.microsoft.com/office/powerpoint/2010/main" val="2129817989"/>
       </p:ext>
     </p:extLst>
   </p:cSld>
